--- a/Template.pptx
+++ b/Template.pptx
@@ -6,7 +6,8 @@
   </p:sldMasterIdLst>
   <p:sldIdLst>
     <p:sldId id="256" r:id="rId2"/>
-    <p:sldId id="257" r:id="rId3"/>
+    <p:sldId id="258" r:id="rId3"/>
+    <p:sldId id="257" r:id="rId4"/>
   </p:sldIdLst>
   <p:sldSz cx="12192000" cy="6858000"/>
   <p:notesSz cx="6858000" cy="9144000"/>
@@ -105,6 +106,11 @@
       </a:defRPr>
     </a:lvl9pPr>
   </p:defaultTextStyle>
+  <p:extLst>
+    <p:ext uri="{EFAFB233-063F-42B5-8137-9DF3F51BA10A}">
+      <p15:sldGuideLst xmlns:p15="http://schemas.microsoft.com/office/powerpoint/2012/main"/>
+    </p:ext>
+  </p:extLst>
 </p:presentation>
 </file>
 
@@ -3548,7 +3554,7 @@
                 <a:effectLst/>
                 <a:uLnTx/>
                 <a:uFillTx/>
-                <a:latin typeface="Arial" panose="020B0604020202020204" pitchFamily="34" charset="0"/>
+                <a:latin typeface="Abadi" panose="020F0502020204030204" pitchFamily="34" charset="0"/>
                 <a:ea typeface="+mn-ea"/>
                 <a:cs typeface="+mn-cs"/>
               </a:rPr>
@@ -3565,7 +3571,7 @@
                 <a:effectLst/>
                 <a:uLnTx/>
                 <a:uFillTx/>
-                <a:latin typeface="Arial" panose="020B0604020202020204" pitchFamily="34" charset="0"/>
+                <a:latin typeface="Abadi" panose="020F0502020204030204" pitchFamily="34" charset="0"/>
                 <a:ea typeface="+mn-ea"/>
                 <a:cs typeface="+mn-cs"/>
               </a:rPr>
@@ -3581,7 +3587,7 @@
               <a:effectLst/>
               <a:uLnTx/>
               <a:uFillTx/>
-              <a:latin typeface="Arial" panose="020B0604020202020204" pitchFamily="34" charset="0"/>
+              <a:latin typeface="Abadi" panose="020F0502020204030204" pitchFamily="34" charset="0"/>
               <a:ea typeface="+mn-ea"/>
               <a:cs typeface="+mn-cs"/>
             </a:endParaRPr>
@@ -3705,7 +3711,7 @@
                   <a:lumMod val="50000"/>
                 </a:srgbClr>
               </a:solidFill>
-              <a:latin typeface="Arial" panose="020B0604020202020204" pitchFamily="34" charset="0"/>
+              <a:latin typeface="Abadi" panose="020F0502020204030204" pitchFamily="34" charset="0"/>
             </a:endParaRPr>
           </a:p>
         </p:txBody>
@@ -3804,7 +3810,7 @@
                   <a:lumMod val="50000"/>
                 </a:srgbClr>
               </a:solidFill>
-              <a:latin typeface="Arial" panose="020B0604020202020204" pitchFamily="34" charset="0"/>
+              <a:latin typeface="Abadi" panose="020F0502020204030204" pitchFamily="34" charset="0"/>
             </a:endParaRPr>
           </a:p>
         </p:txBody>
@@ -3940,7 +3946,7 @@
                   <a:lumMod val="50000"/>
                 </a:srgbClr>
               </a:solidFill>
-              <a:latin typeface="Arial" panose="020B0604020202020204" pitchFamily="34" charset="0"/>
+              <a:latin typeface="Abadi" panose="020F0502020204030204" pitchFamily="34" charset="0"/>
             </a:endParaRPr>
           </a:p>
         </p:txBody>
@@ -3960,7 +3966,7 @@
         <p:spPr>
           <a:xfrm>
             <a:off x="5387992" y="1419584"/>
-            <a:ext cx="843501" cy="276999"/>
+            <a:ext cx="702565" cy="276999"/>
           </a:xfrm>
           <a:prstGeom prst="rect">
             <a:avLst/>
@@ -3981,7 +3987,7 @@
                     <a:lumOff val="35000"/>
                   </a:prstClr>
                 </a:solidFill>
-                <a:latin typeface="Arial" panose="020B0604020202020204" pitchFamily="34" charset="0"/>
+                <a:latin typeface="Abadi" panose="020F0502020204030204" pitchFamily="34" charset="0"/>
               </a:rPr>
               <a:t>LINTERS</a:t>
             </a:r>
@@ -4050,7 +4056,7 @@
         <p:spPr>
           <a:xfrm>
             <a:off x="5347657" y="2088339"/>
-            <a:ext cx="880369" cy="276999"/>
+            <a:ext cx="784574" cy="276999"/>
           </a:xfrm>
           <a:prstGeom prst="rect">
             <a:avLst/>
@@ -4071,7 +4077,7 @@
                     <a:lumOff val="35000"/>
                   </a:prstClr>
                 </a:solidFill>
-                <a:latin typeface="Arial" panose="020B0604020202020204" pitchFamily="34" charset="0"/>
+                <a:latin typeface="Abadi" panose="020F0502020204030204" pitchFamily="34" charset="0"/>
               </a:rPr>
               <a:t>Swift Lint</a:t>
             </a:r>
@@ -4162,7 +4168,7 @@
                   <a:lumMod val="50000"/>
                 </a:srgbClr>
               </a:solidFill>
-              <a:latin typeface="Arial" panose="020B0604020202020204" pitchFamily="34" charset="0"/>
+              <a:latin typeface="Abadi" panose="020F0502020204030204" pitchFamily="34" charset="0"/>
             </a:endParaRPr>
           </a:p>
         </p:txBody>
@@ -4212,7 +4218,7 @@
         <p:spPr>
           <a:xfrm>
             <a:off x="6652883" y="1401541"/>
-            <a:ext cx="1296000" cy="830997"/>
+            <a:ext cx="1296000" cy="461665"/>
           </a:xfrm>
           <a:prstGeom prst="rect">
             <a:avLst/>
@@ -4234,7 +4240,7 @@
                     <a:lumOff val="35000"/>
                   </a:prstClr>
                 </a:solidFill>
-                <a:latin typeface="Arial" panose="020B0604020202020204" pitchFamily="34" charset="0"/>
+                <a:latin typeface="Abadi" panose="020F0502020204030204" pitchFamily="34" charset="0"/>
               </a:rPr>
               <a:t>TEST COVERAGE/ CODE ANALYZER</a:t>
             </a:r>
@@ -4288,7 +4294,7 @@
                   <a:lumMod val="50000"/>
                 </a:srgbClr>
               </a:solidFill>
-              <a:latin typeface="Arial" panose="020B0604020202020204" pitchFamily="34" charset="0"/>
+              <a:latin typeface="Abadi" panose="020F0502020204030204" pitchFamily="34" charset="0"/>
             </a:endParaRPr>
           </a:p>
         </p:txBody>
@@ -4367,7 +4373,7 @@
                     <a:lumOff val="35000"/>
                   </a:prstClr>
                 </a:solidFill>
-                <a:latin typeface="Arial" panose="020B0604020202020204" pitchFamily="34" charset="0"/>
+                <a:latin typeface="Abadi" panose="020F0502020204030204" pitchFamily="34" charset="0"/>
               </a:rPr>
               <a:t>SAST</a:t>
             </a:r>
@@ -4468,7 +4474,7 @@
                   <a:lumMod val="50000"/>
                 </a:srgbClr>
               </a:solidFill>
-              <a:latin typeface="Arial" panose="020B0604020202020204" pitchFamily="34" charset="0"/>
+              <a:latin typeface="Abadi" panose="020F0502020204030204" pitchFamily="34" charset="0"/>
             </a:endParaRPr>
           </a:p>
         </p:txBody>
@@ -4547,7 +4553,7 @@
                     <a:lumOff val="35000"/>
                   </a:prstClr>
                 </a:solidFill>
-                <a:latin typeface="Arial" panose="020B0604020202020204" pitchFamily="34" charset="0"/>
+                <a:latin typeface="Abadi" panose="020F0502020204030204" pitchFamily="34" charset="0"/>
               </a:rPr>
               <a:t>DEPENDENCY CHECK</a:t>
             </a:r>
@@ -4569,7 +4575,7 @@
         <p:spPr>
           <a:xfrm>
             <a:off x="6069272" y="3932423"/>
-            <a:ext cx="3419526" cy="276999"/>
+            <a:ext cx="2946961" cy="276999"/>
           </a:xfrm>
           <a:prstGeom prst="rect">
             <a:avLst/>
@@ -4590,7 +4596,7 @@
                     <a:lumOff val="40000"/>
                   </a:srgbClr>
                 </a:solidFill>
-                <a:latin typeface="Arial" panose="020B0604020202020204" pitchFamily="34" charset="0"/>
+                <a:latin typeface="Abadi" panose="020F0502020204030204" pitchFamily="34" charset="0"/>
               </a:rPr>
               <a:t>All</a:t>
             </a:r>
@@ -4602,7 +4608,7 @@
                     <a:lumOff val="40000"/>
                   </a:srgbClr>
                 </a:solidFill>
-                <a:latin typeface="Arial" panose="020B0604020202020204" pitchFamily="34" charset="0"/>
+                <a:latin typeface="Abadi" panose="020F0502020204030204" pitchFamily="34" charset="0"/>
               </a:rPr>
               <a:t> Steps are </a:t>
             </a:r>
@@ -4614,7 +4620,7 @@
                     <a:lumOff val="40000"/>
                   </a:srgbClr>
                 </a:solidFill>
-                <a:latin typeface="Arial" panose="020B0604020202020204" pitchFamily="34" charset="0"/>
+                <a:latin typeface="Abadi" panose="020F0502020204030204" pitchFamily="34" charset="0"/>
               </a:rPr>
               <a:t>required</a:t>
             </a:r>
@@ -4626,7 +4632,7 @@
                     <a:lumOff val="40000"/>
                   </a:srgbClr>
                 </a:solidFill>
-                <a:latin typeface="Arial" panose="020B0604020202020204" pitchFamily="34" charset="0"/>
+                <a:latin typeface="Abadi" panose="020F0502020204030204" pitchFamily="34" charset="0"/>
               </a:rPr>
               <a:t> </a:t>
             </a:r>
@@ -4638,7 +4644,7 @@
                     <a:lumOff val="40000"/>
                   </a:srgbClr>
                 </a:solidFill>
-                <a:latin typeface="Arial" panose="020B0604020202020204" pitchFamily="34" charset="0"/>
+                <a:latin typeface="Abadi" panose="020F0502020204030204" pitchFamily="34" charset="0"/>
               </a:rPr>
               <a:t>to</a:t>
             </a:r>
@@ -4650,7 +4656,7 @@
                     <a:lumOff val="40000"/>
                   </a:srgbClr>
                 </a:solidFill>
-                <a:latin typeface="Arial" panose="020B0604020202020204" pitchFamily="34" charset="0"/>
+                <a:latin typeface="Abadi" panose="020F0502020204030204" pitchFamily="34" charset="0"/>
               </a:rPr>
               <a:t> </a:t>
             </a:r>
@@ -4662,7 +4668,7 @@
                     <a:lumOff val="40000"/>
                   </a:srgbClr>
                 </a:solidFill>
-                <a:latin typeface="Arial" panose="020B0604020202020204" pitchFamily="34" charset="0"/>
+                <a:latin typeface="Abadi" panose="020F0502020204030204" pitchFamily="34" charset="0"/>
               </a:rPr>
               <a:t>finish</a:t>
             </a:r>
@@ -4674,7 +4680,7 @@
                     <a:lumOff val="40000"/>
                   </a:srgbClr>
                 </a:solidFill>
-                <a:latin typeface="Arial" panose="020B0604020202020204" pitchFamily="34" charset="0"/>
+                <a:latin typeface="Abadi" panose="020F0502020204030204" pitchFamily="34" charset="0"/>
               </a:rPr>
               <a:t> </a:t>
             </a:r>
@@ -4686,7 +4692,7 @@
                     <a:lumOff val="40000"/>
                   </a:srgbClr>
                 </a:solidFill>
-                <a:latin typeface="Arial" panose="020B0604020202020204" pitchFamily="34" charset="0"/>
+                <a:latin typeface="Abadi" panose="020F0502020204030204" pitchFamily="34" charset="0"/>
               </a:rPr>
               <a:t>with</a:t>
             </a:r>
@@ -4698,7 +4704,7 @@
                     <a:lumOff val="40000"/>
                   </a:srgbClr>
                 </a:solidFill>
-                <a:latin typeface="Arial" panose="020B0604020202020204" pitchFamily="34" charset="0"/>
+                <a:latin typeface="Abadi" panose="020F0502020204030204" pitchFamily="34" charset="0"/>
               </a:rPr>
               <a:t> </a:t>
             </a:r>
@@ -4710,7 +4716,7 @@
                     <a:lumOff val="40000"/>
                   </a:srgbClr>
                 </a:solidFill>
-                <a:latin typeface="Arial" panose="020B0604020202020204" pitchFamily="34" charset="0"/>
+                <a:latin typeface="Abadi" panose="020F0502020204030204" pitchFamily="34" charset="0"/>
               </a:rPr>
               <a:t>success</a:t>
             </a:r>
@@ -4721,7 +4727,7 @@
                   <a:lumOff val="40000"/>
                 </a:srgbClr>
               </a:solidFill>
-              <a:latin typeface="Arial" panose="020B0604020202020204" pitchFamily="34" charset="0"/>
+              <a:latin typeface="Abadi" panose="020F0502020204030204" pitchFamily="34" charset="0"/>
             </a:endParaRPr>
           </a:p>
         </p:txBody>
@@ -4806,7 +4812,7 @@
                 <a:solidFill>
                   <a:srgbClr val="FFFFFF"/>
                 </a:solidFill>
-                <a:latin typeface="Arial" panose="020B0604020202020204" pitchFamily="34" charset="0"/>
+                <a:latin typeface="Abadi" panose="020F0502020204030204" pitchFamily="34" charset="0"/>
               </a:rPr>
               <a:t>1</a:t>
             </a:r>
@@ -4849,7 +4855,7 @@
                     <a:lumOff val="35000"/>
                   </a:prstClr>
                 </a:solidFill>
-                <a:latin typeface="Arial" panose="020B0604020202020204" pitchFamily="34" charset="0"/>
+                <a:latin typeface="Abadi" panose="020F0502020204030204" pitchFamily="34" charset="0"/>
               </a:rPr>
               <a:t>Validate Lint</a:t>
             </a:r>
@@ -4871,7 +4877,7 @@
         <p:spPr>
           <a:xfrm>
             <a:off x="3989020" y="1434170"/>
-            <a:ext cx="654346" cy="276999"/>
+            <a:ext cx="577402" cy="276999"/>
           </a:xfrm>
           <a:prstGeom prst="rect">
             <a:avLst/>
@@ -4892,7 +4898,7 @@
                     <a:lumOff val="35000"/>
                   </a:prstClr>
                 </a:solidFill>
-                <a:latin typeface="Arial" panose="020B0604020202020204" pitchFamily="34" charset="0"/>
+                <a:latin typeface="Abadi" panose="020F0502020204030204" pitchFamily="34" charset="0"/>
               </a:rPr>
               <a:t>BUILD</a:t>
             </a:r>
@@ -4943,7 +4949,7 @@
                 <a:solidFill>
                   <a:srgbClr val="FFFFFF"/>
                 </a:solidFill>
-                <a:latin typeface="Arial" panose="020B0604020202020204" pitchFamily="34" charset="0"/>
+                <a:latin typeface="Abadi" panose="020F0502020204030204" pitchFamily="34" charset="0"/>
               </a:rPr>
               <a:t>1</a:t>
             </a:r>
@@ -4994,7 +5000,7 @@
                 <a:solidFill>
                   <a:srgbClr val="FFFFFF"/>
                 </a:solidFill>
-                <a:latin typeface="Arial" panose="020B0604020202020204" pitchFamily="34" charset="0"/>
+                <a:latin typeface="Abadi" panose="020F0502020204030204" pitchFamily="34" charset="0"/>
               </a:rPr>
               <a:t>2</a:t>
             </a:r>
@@ -5037,7 +5043,7 @@
                     <a:lumOff val="35000"/>
                   </a:prstClr>
                 </a:solidFill>
-                <a:latin typeface="Arial" panose="020B0604020202020204" pitchFamily="34" charset="0"/>
+                <a:latin typeface="Abadi" panose="020F0502020204030204" pitchFamily="34" charset="0"/>
               </a:rPr>
               <a:t>Validate Tests</a:t>
             </a:r>
@@ -5088,7 +5094,7 @@
                 <a:solidFill>
                   <a:srgbClr val="FFFFFF"/>
                 </a:solidFill>
-                <a:latin typeface="Arial" panose="020B0604020202020204" pitchFamily="34" charset="0"/>
+                <a:latin typeface="Abadi" panose="020F0502020204030204" pitchFamily="34" charset="0"/>
               </a:rPr>
               <a:t>2</a:t>
             </a:r>
@@ -5139,7 +5145,7 @@
                 <a:solidFill>
                   <a:srgbClr val="FFFFFF"/>
                 </a:solidFill>
-                <a:latin typeface="Arial" panose="020B0604020202020204" pitchFamily="34" charset="0"/>
+                <a:latin typeface="Abadi" panose="020F0502020204030204" pitchFamily="34" charset="0"/>
               </a:rPr>
               <a:t>3</a:t>
             </a:r>
@@ -5182,7 +5188,7 @@
                     <a:lumOff val="35000"/>
                   </a:prstClr>
                 </a:solidFill>
-                <a:latin typeface="Arial" panose="020B0604020202020204" pitchFamily="34" charset="0"/>
+                <a:latin typeface="Abadi" panose="020F0502020204030204" pitchFamily="34" charset="0"/>
               </a:rPr>
               <a:t>Validate Security</a:t>
             </a:r>
@@ -5233,7 +5239,7 @@
                 <a:solidFill>
                   <a:srgbClr val="FFFFFF"/>
                 </a:solidFill>
-                <a:latin typeface="Arial" panose="020B0604020202020204" pitchFamily="34" charset="0"/>
+                <a:latin typeface="Abadi" panose="020F0502020204030204" pitchFamily="34" charset="0"/>
               </a:rPr>
               <a:t>3</a:t>
             </a:r>
@@ -5284,7 +5290,7 @@
                 <a:solidFill>
                   <a:srgbClr val="FFFFFF"/>
                 </a:solidFill>
-                <a:latin typeface="Arial" panose="020B0604020202020204" pitchFamily="34" charset="0"/>
+                <a:latin typeface="Abadi" panose="020F0502020204030204" pitchFamily="34" charset="0"/>
               </a:rPr>
               <a:t>4</a:t>
             </a:r>
@@ -5306,7 +5312,7 @@
         <p:spPr>
           <a:xfrm>
             <a:off x="457010" y="3364674"/>
-            <a:ext cx="1574952" cy="430887"/>
+            <a:ext cx="1574952" cy="261610"/>
           </a:xfrm>
           <a:prstGeom prst="rect">
             <a:avLst/>
@@ -5327,7 +5333,7 @@
                     <a:lumOff val="35000"/>
                   </a:prstClr>
                 </a:solidFill>
-                <a:latin typeface="Arial" panose="020B0604020202020204" pitchFamily="34" charset="0"/>
+                <a:latin typeface="Abadi" panose="020F0502020204030204" pitchFamily="34" charset="0"/>
               </a:rPr>
               <a:t>Validate Dependencies</a:t>
             </a:r>
@@ -5378,7 +5384,7 @@
                 <a:solidFill>
                   <a:srgbClr val="FFFFFF"/>
                 </a:solidFill>
-                <a:latin typeface="Arial" panose="020B0604020202020204" pitchFamily="34" charset="0"/>
+                <a:latin typeface="Abadi" panose="020F0502020204030204" pitchFamily="34" charset="0"/>
               </a:rPr>
               <a:t>4</a:t>
             </a:r>
@@ -5429,7 +5435,7 @@
                 <a:solidFill>
                   <a:srgbClr val="FFFFFF"/>
                 </a:solidFill>
-                <a:latin typeface="Arial" panose="020B0604020202020204" pitchFamily="34" charset="0"/>
+                <a:latin typeface="Abadi" panose="020F0502020204030204" pitchFamily="34" charset="0"/>
               </a:rPr>
               <a:t>5</a:t>
             </a:r>
@@ -5472,7 +5478,7 @@
                     <a:lumOff val="35000"/>
                   </a:prstClr>
                 </a:solidFill>
-                <a:latin typeface="Arial" panose="020B0604020202020204" pitchFamily="34" charset="0"/>
+                <a:latin typeface="Abadi" panose="020F0502020204030204" pitchFamily="34" charset="0"/>
               </a:rPr>
               <a:t>Publish</a:t>
             </a:r>
@@ -5523,7 +5529,7 @@
                 <a:solidFill>
                   <a:srgbClr val="FFFFFF"/>
                 </a:solidFill>
-                <a:latin typeface="Arial" panose="020B0604020202020204" pitchFamily="34" charset="0"/>
+                <a:latin typeface="Abadi" panose="020F0502020204030204" pitchFamily="34" charset="0"/>
               </a:rPr>
               <a:t>5</a:t>
             </a:r>
@@ -5574,7 +5580,7 @@
                 <a:solidFill>
                   <a:srgbClr val="FFFFFF"/>
                 </a:solidFill>
-                <a:latin typeface="Arial" panose="020B0604020202020204" pitchFamily="34" charset="0"/>
+                <a:latin typeface="Abadi" panose="020F0502020204030204" pitchFamily="34" charset="0"/>
               </a:rPr>
               <a:t>6</a:t>
             </a:r>
@@ -5617,7 +5623,7 @@
                     <a:lumOff val="35000"/>
                   </a:prstClr>
                 </a:solidFill>
-                <a:latin typeface="Arial" panose="020B0604020202020204" pitchFamily="34" charset="0"/>
+                <a:latin typeface="Abadi" panose="020F0502020204030204" pitchFamily="34" charset="0"/>
               </a:rPr>
               <a:t>Proxy</a:t>
             </a:r>
@@ -5686,7 +5692,7 @@
         <p:spPr>
           <a:xfrm>
             <a:off x="4012661" y="2121177"/>
-            <a:ext cx="541943" cy="276999"/>
+            <a:ext cx="487634" cy="276999"/>
           </a:xfrm>
           <a:prstGeom prst="rect">
             <a:avLst/>
@@ -5707,7 +5713,7 @@
                     <a:lumOff val="35000"/>
                   </a:prstClr>
                 </a:solidFill>
-                <a:latin typeface="Arial" panose="020B0604020202020204" pitchFamily="34" charset="0"/>
+                <a:latin typeface="Abadi" panose="020F0502020204030204" pitchFamily="34" charset="0"/>
               </a:rPr>
               <a:t>Tuist</a:t>
             </a:r>
@@ -5718,7 +5724,7 @@
                   <a:lumOff val="35000"/>
                 </a:prstClr>
               </a:solidFill>
-              <a:latin typeface="Arial" panose="020B0604020202020204" pitchFamily="34" charset="0"/>
+              <a:latin typeface="Abadi" panose="020F0502020204030204" pitchFamily="34" charset="0"/>
             </a:endParaRPr>
           </a:p>
         </p:txBody>
@@ -5821,7 +5827,7 @@
         <p:spPr>
           <a:xfrm>
             <a:off x="3948304" y="2922124"/>
-            <a:ext cx="671979" cy="276999"/>
+            <a:ext cx="607667" cy="276999"/>
           </a:xfrm>
           <a:prstGeom prst="rect">
             <a:avLst/>
@@ -5842,7 +5848,7 @@
                     <a:lumOff val="35000"/>
                   </a:prstClr>
                 </a:solidFill>
-                <a:latin typeface="Arial" panose="020B0604020202020204" pitchFamily="34" charset="0"/>
+                <a:latin typeface="Abadi" panose="020F0502020204030204" pitchFamily="34" charset="0"/>
               </a:rPr>
               <a:t>Gradle</a:t>
             </a:r>
@@ -5853,7 +5859,7 @@
                   <a:lumOff val="35000"/>
                 </a:prstClr>
               </a:solidFill>
-              <a:latin typeface="Arial" panose="020B0604020202020204" pitchFamily="34" charset="0"/>
+              <a:latin typeface="Abadi" panose="020F0502020204030204" pitchFamily="34" charset="0"/>
             </a:endParaRPr>
           </a:p>
         </p:txBody>
@@ -5955,7 +5961,7 @@
         <p:spPr>
           <a:xfrm>
             <a:off x="5444426" y="2820437"/>
-            <a:ext cx="652743" cy="276999"/>
+            <a:ext cx="612219" cy="276999"/>
           </a:xfrm>
           <a:prstGeom prst="rect">
             <a:avLst/>
@@ -5976,7 +5982,7 @@
                     <a:lumOff val="35000"/>
                   </a:prstClr>
                 </a:solidFill>
-                <a:latin typeface="Arial" panose="020B0604020202020204" pitchFamily="34" charset="0"/>
+                <a:latin typeface="Abadi" panose="020F0502020204030204" pitchFamily="34" charset="0"/>
               </a:rPr>
               <a:t>Detekt</a:t>
             </a:r>
@@ -5987,7 +5993,7 @@
                   <a:lumOff val="35000"/>
                 </a:prstClr>
               </a:solidFill>
-              <a:latin typeface="Arial" panose="020B0604020202020204" pitchFamily="34" charset="0"/>
+              <a:latin typeface="Abadi" panose="020F0502020204030204" pitchFamily="34" charset="0"/>
             </a:endParaRPr>
           </a:p>
         </p:txBody>
@@ -6007,7 +6013,7 @@
         <p:spPr>
           <a:xfrm>
             <a:off x="2281366" y="1132413"/>
-            <a:ext cx="1478290" cy="307777"/>
+            <a:ext cx="1278042" cy="307777"/>
           </a:xfrm>
           <a:prstGeom prst="rect">
             <a:avLst/>
@@ -6028,7 +6034,7 @@
                     <a:lumOff val="35000"/>
                   </a:prstClr>
                 </a:solidFill>
-                <a:latin typeface="Arial" panose="020B0604020202020204" pitchFamily="34" charset="0"/>
+                <a:latin typeface="Abadi" panose="020F0502020204030204" pitchFamily="34" charset="0"/>
               </a:rPr>
               <a:t>ODS - Features</a:t>
             </a:r>
@@ -6132,6 +6138,554 @@
 </file>
 
 <file path=ppt/slides/slide2.xml><?xml version="1.0" encoding="utf-8"?>
+<p:sld xmlns:a="http://schemas.openxmlformats.org/drawingml/2006/main" xmlns:r="http://schemas.openxmlformats.org/officeDocument/2006/relationships" xmlns:p="http://schemas.openxmlformats.org/presentationml/2006/main">
+  <p:cSld>
+    <p:spTree>
+      <p:nvGrpSpPr>
+        <p:cNvPr id="1" name=""/>
+        <p:cNvGrpSpPr/>
+        <p:nvPr/>
+      </p:nvGrpSpPr>
+      <p:grpSpPr>
+        <a:xfrm>
+          <a:off x="0" y="0"/>
+          <a:ext cx="0" cy="0"/>
+          <a:chOff x="0" y="0"/>
+          <a:chExt cx="0" cy="0"/>
+        </a:xfrm>
+      </p:grpSpPr>
+      <p:pic>
+        <p:nvPicPr>
+          <p:cNvPr id="2" name="Imagem 1" descr="Uma imagem contendo Logotipo&#10;&#10;Descrição gerada automaticamente">
+            <a:extLst>
+              <a:ext uri="{FF2B5EF4-FFF2-40B4-BE49-F238E27FC236}">
+                <a16:creationId xmlns:a16="http://schemas.microsoft.com/office/drawing/2014/main" id="{94C024AA-B20C-90D4-F686-B07C69B3CFBD}"/>
+              </a:ext>
+            </a:extLst>
+          </p:cNvPr>
+          <p:cNvPicPr>
+            <a:picLocks noChangeAspect="1"/>
+          </p:cNvPicPr>
+          <p:nvPr/>
+        </p:nvPicPr>
+        <p:blipFill>
+          <a:blip r:embed="rId2"/>
+          <a:stretch>
+            <a:fillRect/>
+          </a:stretch>
+        </p:blipFill>
+        <p:spPr>
+          <a:xfrm>
+            <a:off x="4822797" y="2713585"/>
+            <a:ext cx="573138" cy="312671"/>
+          </a:xfrm>
+          <a:prstGeom prst="rect">
+            <a:avLst/>
+          </a:prstGeom>
+        </p:spPr>
+      </p:pic>
+      <p:sp>
+        <p:nvSpPr>
+          <p:cNvPr id="3" name="Retângulo 2">
+            <a:extLst>
+              <a:ext uri="{FF2B5EF4-FFF2-40B4-BE49-F238E27FC236}">
+                <a16:creationId xmlns:a16="http://schemas.microsoft.com/office/drawing/2014/main" id="{4902DEE3-ED2C-9EE0-9D54-772DB0BE04BE}"/>
+              </a:ext>
+            </a:extLst>
+          </p:cNvPr>
+          <p:cNvSpPr/>
+          <p:nvPr/>
+        </p:nvSpPr>
+        <p:spPr>
+          <a:xfrm>
+            <a:off x="9177397" y="2133212"/>
+            <a:ext cx="1037625" cy="557355"/>
+          </a:xfrm>
+          <a:prstGeom prst="rect">
+            <a:avLst/>
+          </a:prstGeom>
+          <a:solidFill>
+            <a:srgbClr val="FFFFFF"/>
+          </a:solidFill>
+          <a:ln w="9525" cap="flat" cmpd="sng" algn="ctr">
+            <a:solidFill>
+              <a:srgbClr val="FFFFFF">
+                <a:lumMod val="75000"/>
+              </a:srgbClr>
+            </a:solidFill>
+            <a:prstDash val="solid"/>
+            <a:miter lim="800000"/>
+          </a:ln>
+          <a:effectLst/>
+        </p:spPr>
+        <p:txBody>
+          <a:bodyPr vert="horz" rtlCol="0" anchor="ctr"/>
+          <a:lstStyle/>
+          <a:p>
+            <a:pPr marL="0" marR="0" lvl="0" indent="0" algn="ctr" defTabSz="914400" eaLnBrk="1" fontAlgn="auto" latinLnBrk="0" hangingPunct="1">
+              <a:lnSpc>
+                <a:spcPct val="100000"/>
+              </a:lnSpc>
+              <a:spcBef>
+                <a:spcPts val="0"/>
+              </a:spcBef>
+              <a:spcAft>
+                <a:spcPts val="0"/>
+              </a:spcAft>
+              <a:buClrTx/>
+              <a:buSzTx/>
+              <a:buFontTx/>
+              <a:buNone/>
+              <a:tabLst/>
+              <a:defRPr/>
+            </a:pPr>
+            <a:endParaRPr kumimoji="0" lang="en-US" sz="1000" b="0" i="0" u="none" strike="noStrike" kern="0" cap="none" spc="0" normalizeH="0" baseline="0" noProof="0">
+              <a:ln>
+                <a:noFill/>
+              </a:ln>
+              <a:solidFill>
+                <a:srgbClr val="FFFFFF">
+                  <a:lumMod val="50000"/>
+                </a:srgbClr>
+              </a:solidFill>
+              <a:effectLst/>
+              <a:uLnTx/>
+              <a:uFillTx/>
+              <a:latin typeface="Santander Text"/>
+              <a:ea typeface="+mn-ea"/>
+              <a:cs typeface="+mn-cs"/>
+            </a:endParaRPr>
+          </a:p>
+        </p:txBody>
+      </p:sp>
+      <p:pic>
+        <p:nvPicPr>
+          <p:cNvPr id="4" name="Picture 2" descr="App Center: Designed for Building Great Xamarin Apps - Xamarin Blog">
+            <a:extLst>
+              <a:ext uri="{FF2B5EF4-FFF2-40B4-BE49-F238E27FC236}">
+                <a16:creationId xmlns:a16="http://schemas.microsoft.com/office/drawing/2014/main" id="{D423DF37-FD92-9E0F-93DD-49BEA1D12592}"/>
+              </a:ext>
+            </a:extLst>
+          </p:cNvPr>
+          <p:cNvPicPr>
+            <a:picLocks noChangeAspect="1" noChangeArrowheads="1"/>
+          </p:cNvPicPr>
+          <p:nvPr/>
+        </p:nvPicPr>
+        <p:blipFill>
+          <a:blip r:embed="rId3">
+            <a:extLst>
+              <a:ext uri="{28A0092B-C50C-407E-A947-70E740481C1C}">
+                <a14:useLocalDpi xmlns:a14="http://schemas.microsoft.com/office/drawing/2010/main" val="0"/>
+              </a:ext>
+            </a:extLst>
+          </a:blip>
+          <a:srcRect/>
+          <a:stretch>
+            <a:fillRect/>
+          </a:stretch>
+        </p:blipFill>
+        <p:spPr bwMode="auto">
+          <a:xfrm>
+            <a:off x="9332988" y="2209979"/>
+            <a:ext cx="722867" cy="361434"/>
+          </a:xfrm>
+          <a:prstGeom prst="rect">
+            <a:avLst/>
+          </a:prstGeom>
+          <a:noFill/>
+          <a:extLst>
+            <a:ext uri="{909E8E84-426E-40DD-AFC4-6F175D3DCCD1}">
+              <a14:hiddenFill xmlns:a14="http://schemas.microsoft.com/office/drawing/2010/main">
+                <a:solidFill>
+                  <a:srgbClr val="FFFFFF"/>
+                </a:solidFill>
+              </a14:hiddenFill>
+            </a:ext>
+          </a:extLst>
+        </p:spPr>
+      </p:pic>
+      <p:cxnSp>
+        <p:nvCxnSpPr>
+          <p:cNvPr id="8" name="Conector Angulado 150">
+            <a:extLst>
+              <a:ext uri="{FF2B5EF4-FFF2-40B4-BE49-F238E27FC236}">
+                <a16:creationId xmlns:a16="http://schemas.microsoft.com/office/drawing/2014/main" id="{8DAB51B7-28DF-FAB8-CA47-104C85C50EC2}"/>
+              </a:ext>
+            </a:extLst>
+          </p:cNvPr>
+          <p:cNvCxnSpPr>
+            <a:cxnSpLocks/>
+            <a:endCxn id="9" idx="1"/>
+          </p:cNvCxnSpPr>
+          <p:nvPr/>
+        </p:nvCxnSpPr>
+        <p:spPr>
+          <a:xfrm>
+            <a:off x="4240722" y="5080609"/>
+            <a:ext cx="697702" cy="0"/>
+          </a:xfrm>
+          <a:prstGeom prst="bentConnector3">
+            <a:avLst/>
+          </a:prstGeom>
+          <a:noFill/>
+          <a:ln w="38100" cap="flat" cmpd="sng" algn="ctr">
+            <a:solidFill>
+              <a:sysClr val="windowText" lastClr="000000">
+                <a:lumMod val="50000"/>
+                <a:lumOff val="50000"/>
+              </a:sysClr>
+            </a:solidFill>
+            <a:prstDash val="solid"/>
+            <a:miter lim="800000"/>
+            <a:tailEnd type="triangle"/>
+          </a:ln>
+          <a:effectLst/>
+        </p:spPr>
+      </p:cxnSp>
+      <p:sp>
+        <p:nvSpPr>
+          <p:cNvPr id="9" name="Retângulo 8">
+            <a:extLst>
+              <a:ext uri="{FF2B5EF4-FFF2-40B4-BE49-F238E27FC236}">
+                <a16:creationId xmlns:a16="http://schemas.microsoft.com/office/drawing/2014/main" id="{179A5E5B-662D-2622-D848-E32CAAEE21C4}"/>
+              </a:ext>
+            </a:extLst>
+          </p:cNvPr>
+          <p:cNvSpPr/>
+          <p:nvPr/>
+        </p:nvSpPr>
+        <p:spPr>
+          <a:xfrm>
+            <a:off x="4938424" y="4814589"/>
+            <a:ext cx="1037625" cy="557355"/>
+          </a:xfrm>
+          <a:prstGeom prst="rect">
+            <a:avLst/>
+          </a:prstGeom>
+          <a:solidFill>
+            <a:srgbClr val="FFFFFF"/>
+          </a:solidFill>
+          <a:ln w="9525" cap="flat" cmpd="sng" algn="ctr">
+            <a:solidFill>
+              <a:srgbClr val="FFFFFF">
+                <a:lumMod val="75000"/>
+              </a:srgbClr>
+            </a:solidFill>
+            <a:prstDash val="solid"/>
+            <a:miter lim="800000"/>
+          </a:ln>
+          <a:effectLst/>
+        </p:spPr>
+        <p:txBody>
+          <a:bodyPr vert="horz" rtlCol="0" anchor="ctr"/>
+          <a:lstStyle/>
+          <a:p>
+            <a:pPr marL="0" marR="0" lvl="0" indent="0" algn="ctr" defTabSz="914400" eaLnBrk="1" fontAlgn="auto" latinLnBrk="0" hangingPunct="1">
+              <a:lnSpc>
+                <a:spcPct val="100000"/>
+              </a:lnSpc>
+              <a:spcBef>
+                <a:spcPts val="0"/>
+              </a:spcBef>
+              <a:spcAft>
+                <a:spcPts val="0"/>
+              </a:spcAft>
+              <a:buClrTx/>
+              <a:buSzTx/>
+              <a:buFontTx/>
+              <a:buNone/>
+              <a:tabLst/>
+              <a:defRPr/>
+            </a:pPr>
+            <a:endParaRPr kumimoji="0" lang="en-US" sz="1000" b="0" i="0" u="none" strike="noStrike" kern="0" cap="none" spc="0" normalizeH="0" baseline="0" noProof="0">
+              <a:ln>
+                <a:noFill/>
+              </a:ln>
+              <a:solidFill>
+                <a:srgbClr val="FFFFFF">
+                  <a:lumMod val="50000"/>
+                </a:srgbClr>
+              </a:solidFill>
+              <a:effectLst/>
+              <a:uLnTx/>
+              <a:uFillTx/>
+              <a:latin typeface="Santander Text"/>
+              <a:ea typeface="+mn-ea"/>
+              <a:cs typeface="+mn-cs"/>
+            </a:endParaRPr>
+          </a:p>
+        </p:txBody>
+      </p:sp>
+      <p:pic>
+        <p:nvPicPr>
+          <p:cNvPr id="10" name="Picture 2" descr="App Center: Designed for Building Great Xamarin Apps - Xamarin Blog">
+            <a:extLst>
+              <a:ext uri="{FF2B5EF4-FFF2-40B4-BE49-F238E27FC236}">
+                <a16:creationId xmlns:a16="http://schemas.microsoft.com/office/drawing/2014/main" id="{A848CF46-0A0E-7477-F436-F3E90D8F8E1C}"/>
+              </a:ext>
+            </a:extLst>
+          </p:cNvPr>
+          <p:cNvPicPr>
+            <a:picLocks noChangeAspect="1" noChangeArrowheads="1"/>
+          </p:cNvPicPr>
+          <p:nvPr/>
+        </p:nvPicPr>
+        <p:blipFill>
+          <a:blip r:embed="rId3">
+            <a:extLst>
+              <a:ext uri="{28A0092B-C50C-407E-A947-70E740481C1C}">
+                <a14:useLocalDpi xmlns:a14="http://schemas.microsoft.com/office/drawing/2010/main" val="0"/>
+              </a:ext>
+            </a:extLst>
+          </a:blip>
+          <a:srcRect/>
+          <a:stretch>
+            <a:fillRect/>
+          </a:stretch>
+        </p:blipFill>
+        <p:spPr bwMode="auto">
+          <a:xfrm>
+            <a:off x="5094015" y="4891356"/>
+            <a:ext cx="722867" cy="361434"/>
+          </a:xfrm>
+          <a:prstGeom prst="rect">
+            <a:avLst/>
+          </a:prstGeom>
+          <a:noFill/>
+          <a:extLst>
+            <a:ext uri="{909E8E84-426E-40DD-AFC4-6F175D3DCCD1}">
+              <a14:hiddenFill xmlns:a14="http://schemas.microsoft.com/office/drawing/2010/main">
+                <a:solidFill>
+                  <a:srgbClr val="FFFFFF"/>
+                </a:solidFill>
+              </a14:hiddenFill>
+            </a:ext>
+          </a:extLst>
+        </p:spPr>
+      </p:pic>
+      <p:sp>
+        <p:nvSpPr>
+          <p:cNvPr id="11" name="Oval 199">
+            <a:extLst>
+              <a:ext uri="{FF2B5EF4-FFF2-40B4-BE49-F238E27FC236}">
+                <a16:creationId xmlns:a16="http://schemas.microsoft.com/office/drawing/2014/main" id="{F1A5ADA2-BA21-D53F-8669-1E8B0BD841A8}"/>
+              </a:ext>
+            </a:extLst>
+          </p:cNvPr>
+          <p:cNvSpPr/>
+          <p:nvPr/>
+        </p:nvSpPr>
+        <p:spPr>
+          <a:xfrm>
+            <a:off x="4433034" y="4773950"/>
+            <a:ext cx="252000" cy="252000"/>
+          </a:xfrm>
+          <a:prstGeom prst="ellipse">
+            <a:avLst/>
+          </a:prstGeom>
+          <a:solidFill>
+            <a:srgbClr val="FFFFFF">
+              <a:lumMod val="65000"/>
+            </a:srgbClr>
+          </a:solidFill>
+          <a:ln w="12700" cap="flat" cmpd="sng" algn="ctr">
+            <a:noFill/>
+            <a:prstDash val="solid"/>
+            <a:miter lim="800000"/>
+          </a:ln>
+          <a:effectLst/>
+        </p:spPr>
+        <p:txBody>
+          <a:bodyPr rtlCol="0" anchor="ctr"/>
+          <a:lstStyle/>
+          <a:p>
+            <a:pPr marL="0" marR="0" lvl="0" indent="0" algn="ctr" defTabSz="914400" eaLnBrk="1" fontAlgn="auto" latinLnBrk="0" hangingPunct="1">
+              <a:lnSpc>
+                <a:spcPct val="100000"/>
+              </a:lnSpc>
+              <a:spcBef>
+                <a:spcPts val="0"/>
+              </a:spcBef>
+              <a:spcAft>
+                <a:spcPts val="0"/>
+              </a:spcAft>
+              <a:buClrTx/>
+              <a:buSzTx/>
+              <a:buFontTx/>
+              <a:buNone/>
+              <a:tabLst/>
+              <a:defRPr/>
+            </a:pPr>
+            <a:r>
+              <a:rPr kumimoji="0" lang="en-US" sz="1400" b="0" i="0" u="none" strike="noStrike" kern="0" cap="none" spc="0" normalizeH="0" baseline="0" noProof="0">
+                <a:ln>
+                  <a:noFill/>
+                </a:ln>
+                <a:solidFill>
+                  <a:srgbClr val="FFFFFF"/>
+                </a:solidFill>
+                <a:effectLst/>
+                <a:uLnTx/>
+                <a:uFillTx/>
+                <a:latin typeface="Santander Text"/>
+                <a:ea typeface="+mn-ea"/>
+                <a:cs typeface="+mn-cs"/>
+              </a:rPr>
+              <a:t>5</a:t>
+            </a:r>
+          </a:p>
+        </p:txBody>
+      </p:sp>
+      <p:pic>
+        <p:nvPicPr>
+          <p:cNvPr id="12" name="Picture 16" descr="Fastlane logo">
+            <a:extLst>
+              <a:ext uri="{FF2B5EF4-FFF2-40B4-BE49-F238E27FC236}">
+                <a16:creationId xmlns:a16="http://schemas.microsoft.com/office/drawing/2014/main" id="{292CAC95-D550-07A1-4E76-DBA44FCD0712}"/>
+              </a:ext>
+            </a:extLst>
+          </p:cNvPr>
+          <p:cNvPicPr>
+            <a:picLocks noChangeAspect="1" noChangeArrowheads="1"/>
+          </p:cNvPicPr>
+          <p:nvPr/>
+        </p:nvPicPr>
+        <p:blipFill>
+          <a:blip r:embed="rId4">
+            <a:extLst>
+              <a:ext uri="{28A0092B-C50C-407E-A947-70E740481C1C}">
+                <a14:useLocalDpi xmlns:a14="http://schemas.microsoft.com/office/drawing/2010/main" val="0"/>
+              </a:ext>
+            </a:extLst>
+          </a:blip>
+          <a:srcRect/>
+          <a:stretch>
+            <a:fillRect/>
+          </a:stretch>
+        </p:blipFill>
+        <p:spPr bwMode="auto">
+          <a:xfrm>
+            <a:off x="3277293" y="4555730"/>
+            <a:ext cx="925637" cy="243918"/>
+          </a:xfrm>
+          <a:prstGeom prst="rect">
+            <a:avLst/>
+          </a:prstGeom>
+          <a:noFill/>
+          <a:extLst>
+            <a:ext uri="{909E8E84-426E-40DD-AFC4-6F175D3DCCD1}">
+              <a14:hiddenFill xmlns:a14="http://schemas.microsoft.com/office/drawing/2010/main">
+                <a:solidFill>
+                  <a:srgbClr val="FFFFFF"/>
+                </a:solidFill>
+              </a14:hiddenFill>
+            </a:ext>
+          </a:extLst>
+        </p:spPr>
+      </p:pic>
+      <p:pic>
+        <p:nvPicPr>
+          <p:cNvPr id="13" name="Imagem 12">
+            <a:extLst>
+              <a:ext uri="{FF2B5EF4-FFF2-40B4-BE49-F238E27FC236}">
+                <a16:creationId xmlns:a16="http://schemas.microsoft.com/office/drawing/2014/main" id="{C86E7B63-CDDF-0475-0A76-76F90A6B30E6}"/>
+              </a:ext>
+            </a:extLst>
+          </p:cNvPr>
+          <p:cNvPicPr>
+            <a:picLocks noChangeAspect="1"/>
+          </p:cNvPicPr>
+          <p:nvPr/>
+        </p:nvPicPr>
+        <p:blipFill>
+          <a:blip r:embed="rId5">
+            <a:extLst>
+              <a:ext uri="{28A0092B-C50C-407E-A947-70E740481C1C}">
+                <a14:useLocalDpi xmlns:a14="http://schemas.microsoft.com/office/drawing/2010/main" val="0"/>
+              </a:ext>
+            </a:extLst>
+          </a:blip>
+          <a:stretch>
+            <a:fillRect/>
+          </a:stretch>
+        </p:blipFill>
+        <p:spPr>
+          <a:xfrm>
+            <a:off x="3588013" y="5122713"/>
+            <a:ext cx="322879" cy="322879"/>
+          </a:xfrm>
+          <a:prstGeom prst="rect">
+            <a:avLst/>
+          </a:prstGeom>
+        </p:spPr>
+      </p:pic>
+      <p:sp>
+        <p:nvSpPr>
+          <p:cNvPr id="14" name="CaixaDeTexto 13">
+            <a:extLst>
+              <a:ext uri="{FF2B5EF4-FFF2-40B4-BE49-F238E27FC236}">
+                <a16:creationId xmlns:a16="http://schemas.microsoft.com/office/drawing/2014/main" id="{D5A7E2F7-113A-E716-DF89-BB4A9847A82A}"/>
+              </a:ext>
+            </a:extLst>
+          </p:cNvPr>
+          <p:cNvSpPr txBox="1"/>
+          <p:nvPr/>
+        </p:nvSpPr>
+        <p:spPr>
+          <a:xfrm>
+            <a:off x="3435242" y="5396582"/>
+            <a:ext cx="607667" cy="276999"/>
+          </a:xfrm>
+          <a:prstGeom prst="rect">
+            <a:avLst/>
+          </a:prstGeom>
+          <a:noFill/>
+        </p:spPr>
+        <p:txBody>
+          <a:bodyPr wrap="none" lIns="91440" tIns="45720" rIns="91440" bIns="45720" rtlCol="0" anchor="t">
+            <a:spAutoFit/>
+          </a:bodyPr>
+          <a:lstStyle/>
+          <a:p>
+            <a:r>
+              <a:rPr lang="pt-BR" sz="1200" b="1" err="1">
+                <a:solidFill>
+                  <a:prstClr val="black">
+                    <a:lumMod val="65000"/>
+                    <a:lumOff val="35000"/>
+                  </a:prstClr>
+                </a:solidFill>
+                <a:latin typeface="Santander Text"/>
+              </a:rPr>
+              <a:t>Gradle</a:t>
+            </a:r>
+            <a:endParaRPr lang="pt-BR" sz="1200" b="1">
+              <a:solidFill>
+                <a:prstClr val="black">
+                  <a:lumMod val="65000"/>
+                  <a:lumOff val="35000"/>
+                </a:prstClr>
+              </a:solidFill>
+              <a:latin typeface="Santander Text"/>
+            </a:endParaRPr>
+          </a:p>
+        </p:txBody>
+      </p:sp>
+    </p:spTree>
+    <p:extLst>
+      <p:ext uri="{BB962C8B-B14F-4D97-AF65-F5344CB8AC3E}">
+        <p14:creationId xmlns:p14="http://schemas.microsoft.com/office/powerpoint/2010/main" val="2707114421"/>
+      </p:ext>
+    </p:extLst>
+  </p:cSld>
+  <p:clrMapOvr>
+    <a:masterClrMapping/>
+  </p:clrMapOvr>
+</p:sld>
+</file>
+
+<file path=ppt/slides/slide3.xml><?xml version="1.0" encoding="utf-8"?>
 <p:sld xmlns:a="http://schemas.openxmlformats.org/drawingml/2006/main" xmlns:r="http://schemas.openxmlformats.org/officeDocument/2006/relationships" xmlns:p="http://schemas.openxmlformats.org/presentationml/2006/main">
   <p:cSld>
     <p:spTree>
